--- a/presentation/design-patterns/observer/observer.pptx
+++ b/presentation/design-patterns/observer/observer.pptx
@@ -702,7 +702,7 @@
             <a:fld id="{76969C88-B244-455D-A017-012B25B1ACDD}" type="datetimeFigureOut">
               <a:rPr lang="en-US" smtClean="0"/>
               <a:pPr/>
-              <a:t>6/23/2020</a:t>
+              <a:t>6/24/2020</a:t>
             </a:fld>
             <a:endParaRPr lang="en-US"/>
           </a:p>
@@ -902,7 +902,7 @@
             <a:fld id="{76969C88-B244-455D-A017-012B25B1ACDD}" type="datetimeFigureOut">
               <a:rPr lang="en-US" smtClean="0"/>
               <a:pPr/>
-              <a:t>6/23/2020</a:t>
+              <a:t>6/24/2020</a:t>
             </a:fld>
             <a:endParaRPr lang="en-US"/>
           </a:p>
@@ -1112,7 +1112,7 @@
             <a:fld id="{76969C88-B244-455D-A017-012B25B1ACDD}" type="datetimeFigureOut">
               <a:rPr lang="en-US" smtClean="0"/>
               <a:pPr/>
-              <a:t>6/23/2020</a:t>
+              <a:t>6/24/2020</a:t>
             </a:fld>
             <a:endParaRPr lang="en-US"/>
           </a:p>
@@ -1312,7 +1312,7 @@
             <a:fld id="{76969C88-B244-455D-A017-012B25B1ACDD}" type="datetimeFigureOut">
               <a:rPr lang="en-US" smtClean="0"/>
               <a:pPr/>
-              <a:t>6/23/2020</a:t>
+              <a:t>6/24/2020</a:t>
             </a:fld>
             <a:endParaRPr lang="en-US"/>
           </a:p>
@@ -1589,7 +1589,7 @@
             <a:fld id="{76969C88-B244-455D-A017-012B25B1ACDD}" type="datetimeFigureOut">
               <a:rPr lang="en-US" smtClean="0"/>
               <a:pPr/>
-              <a:t>6/23/2020</a:t>
+              <a:t>6/24/2020</a:t>
             </a:fld>
             <a:endParaRPr lang="en-US"/>
           </a:p>
@@ -1856,7 +1856,7 @@
             <a:fld id="{76969C88-B244-455D-A017-012B25B1ACDD}" type="datetimeFigureOut">
               <a:rPr lang="en-US" smtClean="0"/>
               <a:pPr/>
-              <a:t>6/23/2020</a:t>
+              <a:t>6/24/2020</a:t>
             </a:fld>
             <a:endParaRPr lang="en-US"/>
           </a:p>
@@ -2270,7 +2270,7 @@
             <a:fld id="{76969C88-B244-455D-A017-012B25B1ACDD}" type="datetimeFigureOut">
               <a:rPr lang="en-US" smtClean="0"/>
               <a:pPr/>
-              <a:t>6/23/2020</a:t>
+              <a:t>6/24/2020</a:t>
             </a:fld>
             <a:endParaRPr lang="en-US"/>
           </a:p>
@@ -2413,7 +2413,7 @@
             <a:fld id="{76969C88-B244-455D-A017-012B25B1ACDD}" type="datetimeFigureOut">
               <a:rPr lang="en-US" smtClean="0"/>
               <a:pPr/>
-              <a:t>6/23/2020</a:t>
+              <a:t>6/24/2020</a:t>
             </a:fld>
             <a:endParaRPr lang="en-US"/>
           </a:p>
@@ -2528,7 +2528,7 @@
             <a:fld id="{76969C88-B244-455D-A017-012B25B1ACDD}" type="datetimeFigureOut">
               <a:rPr lang="en-US" smtClean="0"/>
               <a:pPr/>
-              <a:t>6/23/2020</a:t>
+              <a:t>6/24/2020</a:t>
             </a:fld>
             <a:endParaRPr lang="en-US"/>
           </a:p>
@@ -2841,7 +2841,7 @@
             <a:fld id="{76969C88-B244-455D-A017-012B25B1ACDD}" type="datetimeFigureOut">
               <a:rPr lang="en-US" smtClean="0"/>
               <a:pPr/>
-              <a:t>6/23/2020</a:t>
+              <a:t>6/24/2020</a:t>
             </a:fld>
             <a:endParaRPr lang="en-US"/>
           </a:p>
@@ -3131,7 +3131,7 @@
             <a:fld id="{76969C88-B244-455D-A017-012B25B1ACDD}" type="datetimeFigureOut">
               <a:rPr lang="en-US" smtClean="0"/>
               <a:pPr/>
-              <a:t>6/23/2020</a:t>
+              <a:t>6/24/2020</a:t>
             </a:fld>
             <a:endParaRPr lang="en-US"/>
           </a:p>
@@ -3374,7 +3374,7 @@
             <a:fld id="{76969C88-B244-455D-A017-012B25B1ACDD}" type="datetimeFigureOut">
               <a:rPr lang="en-US" smtClean="0"/>
               <a:pPr/>
-              <a:t>6/23/2020</a:t>
+              <a:t>6/24/2020</a:t>
             </a:fld>
             <a:endParaRPr lang="en-US"/>
           </a:p>
@@ -4564,7 +4564,7 @@
         </p:blipFill>
         <p:spPr>
           <a:xfrm>
-            <a:off x="2740999" y="1590449"/>
+            <a:off x="719210" y="1590449"/>
             <a:ext cx="6104329" cy="5036862"/>
           </a:xfrm>
           <a:prstGeom prst="rect">
@@ -4687,8 +4687,8 @@
         </p:nvSpPr>
         <p:spPr>
           <a:xfrm>
-            <a:off x="576375" y="1707458"/>
-            <a:ext cx="11393164" cy="3785652"/>
+            <a:off x="130662" y="1536174"/>
+            <a:ext cx="8507891" cy="5016758"/>
           </a:xfrm>
           <a:prstGeom prst="rect">
             <a:avLst/>
@@ -4882,8 +4882,8 @@
         </p:nvSpPr>
         <p:spPr>
           <a:xfrm>
-            <a:off x="563374" y="1703124"/>
-            <a:ext cx="11393164" cy="4401205"/>
+            <a:off x="136043" y="1334765"/>
+            <a:ext cx="9269872" cy="5632311"/>
           </a:xfrm>
           <a:prstGeom prst="rect">
             <a:avLst/>
